--- a/Parcours Y/Parcours Y.pptx
+++ b/Parcours Y/Parcours Y.pptx
@@ -207,7 +207,7 @@
           <a:p>
             <a:fld id="{175ECC00-C06A-4323-852F-768318D8586A}" type="datetimeFigureOut">
               <a:rPr lang="fr-FR" smtClean="0"/>
-              <a:t>16/05/2025</a:t>
+              <a:t>21/05/2025</a:t>
             </a:fld>
             <a:endParaRPr lang="fr-FR"/>
           </a:p>
@@ -372,7 +372,7 @@
           <a:p>
             <a:fld id="{AE8DAB01-C85E-4F33-91A5-B6D112914A5D}" type="datetimeFigureOut">
               <a:rPr lang="fr-FR" smtClean="0"/>
-              <a:t>16/05/2025</a:t>
+              <a:t>21/05/2025</a:t>
             </a:fld>
             <a:endParaRPr lang="fr-FR"/>
           </a:p>
@@ -771,7 +771,7 @@
           <a:p>
             <a:fld id="{A69F3118-5675-4AEB-B17B-1E109ACFC119}" type="datetimeFigureOut">
               <a:rPr lang="fr-FR" smtClean="0"/>
-              <a:t>16/05/2025</a:t>
+              <a:t>21/05/2025</a:t>
             </a:fld>
             <a:endParaRPr lang="fr-FR"/>
           </a:p>
@@ -941,7 +941,7 @@
           <a:p>
             <a:fld id="{A69F3118-5675-4AEB-B17B-1E109ACFC119}" type="datetimeFigureOut">
               <a:rPr lang="fr-FR" smtClean="0"/>
-              <a:t>16/05/2025</a:t>
+              <a:t>21/05/2025</a:t>
             </a:fld>
             <a:endParaRPr lang="fr-FR"/>
           </a:p>
@@ -1121,7 +1121,7 @@
           <a:p>
             <a:fld id="{A69F3118-5675-4AEB-B17B-1E109ACFC119}" type="datetimeFigureOut">
               <a:rPr lang="fr-FR" smtClean="0"/>
-              <a:t>16/05/2025</a:t>
+              <a:t>21/05/2025</a:t>
             </a:fld>
             <a:endParaRPr lang="fr-FR"/>
           </a:p>
@@ -1291,7 +1291,7 @@
           <a:p>
             <a:fld id="{A69F3118-5675-4AEB-B17B-1E109ACFC119}" type="datetimeFigureOut">
               <a:rPr lang="fr-FR" smtClean="0"/>
-              <a:t>16/05/2025</a:t>
+              <a:t>21/05/2025</a:t>
             </a:fld>
             <a:endParaRPr lang="fr-FR"/>
           </a:p>
@@ -1535,7 +1535,7 @@
           <a:p>
             <a:fld id="{A69F3118-5675-4AEB-B17B-1E109ACFC119}" type="datetimeFigureOut">
               <a:rPr lang="fr-FR" smtClean="0"/>
-              <a:t>16/05/2025</a:t>
+              <a:t>21/05/2025</a:t>
             </a:fld>
             <a:endParaRPr lang="fr-FR"/>
           </a:p>
@@ -1767,7 +1767,7 @@
           <a:p>
             <a:fld id="{A69F3118-5675-4AEB-B17B-1E109ACFC119}" type="datetimeFigureOut">
               <a:rPr lang="fr-FR" smtClean="0"/>
-              <a:t>16/05/2025</a:t>
+              <a:t>21/05/2025</a:t>
             </a:fld>
             <a:endParaRPr lang="fr-FR"/>
           </a:p>
@@ -2134,7 +2134,7 @@
           <a:p>
             <a:fld id="{A69F3118-5675-4AEB-B17B-1E109ACFC119}" type="datetimeFigureOut">
               <a:rPr lang="fr-FR" smtClean="0"/>
-              <a:t>16/05/2025</a:t>
+              <a:t>21/05/2025</a:t>
             </a:fld>
             <a:endParaRPr lang="fr-FR"/>
           </a:p>
@@ -2252,7 +2252,7 @@
           <a:p>
             <a:fld id="{A69F3118-5675-4AEB-B17B-1E109ACFC119}" type="datetimeFigureOut">
               <a:rPr lang="fr-FR" smtClean="0"/>
-              <a:t>16/05/2025</a:t>
+              <a:t>21/05/2025</a:t>
             </a:fld>
             <a:endParaRPr lang="fr-FR"/>
           </a:p>
@@ -2347,7 +2347,7 @@
           <a:p>
             <a:fld id="{A69F3118-5675-4AEB-B17B-1E109ACFC119}" type="datetimeFigureOut">
               <a:rPr lang="fr-FR" smtClean="0"/>
-              <a:t>16/05/2025</a:t>
+              <a:t>21/05/2025</a:t>
             </a:fld>
             <a:endParaRPr lang="fr-FR"/>
           </a:p>
@@ -2624,7 +2624,7 @@
           <a:p>
             <a:fld id="{A69F3118-5675-4AEB-B17B-1E109ACFC119}" type="datetimeFigureOut">
               <a:rPr lang="fr-FR" smtClean="0"/>
-              <a:t>16/05/2025</a:t>
+              <a:t>21/05/2025</a:t>
             </a:fld>
             <a:endParaRPr lang="fr-FR"/>
           </a:p>
@@ -2881,7 +2881,7 @@
           <a:p>
             <a:fld id="{A69F3118-5675-4AEB-B17B-1E109ACFC119}" type="datetimeFigureOut">
               <a:rPr lang="fr-FR" smtClean="0"/>
-              <a:t>16/05/2025</a:t>
+              <a:t>21/05/2025</a:t>
             </a:fld>
             <a:endParaRPr lang="fr-FR"/>
           </a:p>
@@ -3094,7 +3094,7 @@
           <a:p>
             <a:fld id="{A69F3118-5675-4AEB-B17B-1E109ACFC119}" type="datetimeFigureOut">
               <a:rPr lang="fr-FR" smtClean="0"/>
-              <a:t>16/05/2025</a:t>
+              <a:t>21/05/2025</a:t>
             </a:fld>
             <a:endParaRPr lang="fr-FR"/>
           </a:p>
@@ -3530,7 +3530,7 @@
           </a:fontRef>
         </p:style>
         <p:txBody>
-          <a:bodyPr numCol="2" rtlCol="0" anchor="ctr"/>
+          <a:bodyPr numCol="1" rtlCol="0" anchor="ctr"/>
           <a:lstStyle/>
           <a:p>
             <a:endParaRPr lang="fr-FR" sz="1500" dirty="0"/>
@@ -3615,31 +3615,93 @@
             </a:r>
           </a:p>
           <a:p>
-            <a:endParaRPr lang="fr-FR" sz="1500" dirty="0"/>
-          </a:p>
-          <a:p>
             <a:r>
               <a:rPr lang="fr-FR" sz="1500" b="1" dirty="0"/>
-              <a:t>1. Une présentation du projet</a:t>
-            </a:r>
-            <a:endParaRPr lang="fr-FR" sz="1500" dirty="0"/>
+              <a:t>1. Présentation du projet</a:t>
+            </a:r>
+          </a:p>
+          <a:p>
+            <a:r>
+              <a:rPr lang="fr-FR" sz="1500" dirty="0"/>
+              <a:t>Nom de la société : Trouver un nom qui reflète ton activité et tes valeurs</a:t>
+            </a:r>
+          </a:p>
+          <a:p>
+            <a:r>
+              <a:rPr lang="fr-FR" sz="1500" dirty="0"/>
+              <a:t>Description du projet : Explication du produit ou service proposé.</a:t>
+            </a:r>
           </a:p>
           <a:p>
             <a:r>
               <a:rPr lang="fr-FR" sz="1500" b="1" dirty="0"/>
-              <a:t>2. Une études techniques et scientifiques</a:t>
+              <a:t>2. Études techniques et scientifiques</a:t>
+            </a:r>
+          </a:p>
+          <a:p>
+            <a:r>
+              <a:rPr lang="fr-FR" sz="1500" dirty="0"/>
+              <a:t>Documents techniques : Plans détaillés, fiches techniques des matériaux.</a:t>
+            </a:r>
+          </a:p>
+          <a:p>
+            <a:r>
+              <a:rPr lang="fr-FR" sz="1500" dirty="0"/>
+              <a:t>Analyse des calculs : Calcul des résistances, optimisation des coûts et des matériaux.</a:t>
+            </a:r>
+          </a:p>
+          <a:p>
+            <a:r>
+              <a:rPr lang="fr-FR" sz="1500" dirty="0"/>
+              <a:t>Normes et réglementations : Présentation des normes à respecter.</a:t>
             </a:r>
           </a:p>
           <a:p>
             <a:r>
               <a:rPr lang="fr-FR" sz="1500" b="1" dirty="0"/>
-              <a:t>3. Une proposition d’organisation, fabrication et gestion</a:t>
+              <a:t>3. Organisation, fabrication et gestion</a:t>
+            </a:r>
+          </a:p>
+          <a:p>
+            <a:r>
+              <a:rPr lang="fr-FR" sz="1500" dirty="0"/>
+              <a:t>Organigrammes : Structure de l’entreprise (hiérarchie, répartition des tâches).</a:t>
+            </a:r>
+          </a:p>
+          <a:p>
+            <a:r>
+              <a:rPr lang="fr-FR" sz="1500" dirty="0"/>
+              <a:t>Processus de fabrication : Déroulement de la production, choix des équipements.</a:t>
+            </a:r>
+          </a:p>
+          <a:p>
+            <a:r>
+              <a:rPr lang="fr-FR" sz="1500" dirty="0"/>
+              <a:t>Gestion des stocks et atelier : Organisation logistique et approvisionnement.</a:t>
             </a:r>
           </a:p>
           <a:p>
             <a:r>
               <a:rPr lang="fr-FR" sz="1500" b="1" dirty="0"/>
               <a:t>4. Présentation orale</a:t>
+            </a:r>
+          </a:p>
+          <a:p>
+            <a:r>
+              <a:rPr lang="fr-FR" sz="1500" dirty="0"/>
+              <a:t>Plan logique : Introduction -&gt; Explication technique -&gt; Organisation -&gt; Conclusion.</a:t>
+            </a:r>
+          </a:p>
+          <a:p>
+            <a:r>
+              <a:rPr lang="fr-FR" sz="1500" dirty="0"/>
+              <a:t>Supports visuels : PowerPoint, plans 3D</a:t>
+            </a:r>
+          </a:p>
+          <a:p>
+            <a:r>
+              <a:rPr lang="fr-FR" sz="1500" dirty="0"/>
+              <a:t>Préparation à la prise de parole : Clarté, fluidité, gestion du stress</a:t>
             </a:r>
           </a:p>
           <a:p>
@@ -4710,7 +4772,7 @@
                 <a:ea typeface="JetBrains Mono" panose="02000009000000000000" pitchFamily="49" charset="0"/>
                 <a:cs typeface="JetBrains Mono" panose="02000009000000000000" pitchFamily="49" charset="0"/>
               </a:rPr>
-              <a:t>Idées sujets à traiter</a:t>
+              <a:t>Idées de sujets à traiter</a:t>
             </a:r>
           </a:p>
         </p:txBody>
@@ -5669,7 +5731,7 @@
           <p:nvPr>
             <p:extLst>
               <p:ext uri="{D42A27DB-BD31-4B8C-83A1-F6EECF244321}">
-                <p14:modId xmlns:p14="http://schemas.microsoft.com/office/powerpoint/2010/main" val="2995255751"/>
+                <p14:modId xmlns:p14="http://schemas.microsoft.com/office/powerpoint/2010/main" val="1411154665"/>
               </p:ext>
             </p:extLst>
           </p:nvPr>
@@ -5778,14 +5840,15 @@
                     <a:p>
                       <a:pPr algn="ctr"/>
                       <a:r>
-                        <a:rPr lang="fr-FR" sz="900" dirty="0"/>
-                        <a:t>Non maitrisé</a:t>
+                        <a:rPr lang="en-US" sz="900" dirty="0"/>
+                        <a:t>⭐</a:t>
                       </a:r>
+                      <a:endParaRPr lang="fr-FR" sz="900" dirty="0"/>
                     </a:p>
                   </a:txBody>
                   <a:tcPr anchor="ctr">
                     <a:solidFill>
-                      <a:srgbClr val="FF0000"/>
+                      <a:schemeClr val="bg2"/>
                     </a:solidFill>
                   </a:tcPr>
                 </a:tc>
@@ -5797,13 +5860,13 @@
                       <a:pPr algn="ctr"/>
                       <a:r>
                         <a:rPr lang="fr-FR" sz="900" dirty="0"/>
-                        <a:t>Moyennement acquis</a:t>
+                        <a:t>⭐⭐</a:t>
                       </a:r>
                     </a:p>
                   </a:txBody>
                   <a:tcPr anchor="ctr">
                     <a:solidFill>
-                      <a:schemeClr val="accent4"/>
+                      <a:schemeClr val="bg2"/>
                     </a:solidFill>
                   </a:tcPr>
                 </a:tc>
@@ -5815,13 +5878,13 @@
                       <a:pPr algn="ctr"/>
                       <a:r>
                         <a:rPr lang="fr-FR" sz="900" dirty="0"/>
-                        <a:t>satisfaisant</a:t>
+                        <a:t>⭐⭐⭐</a:t>
                       </a:r>
                     </a:p>
                   </a:txBody>
                   <a:tcPr anchor="ctr">
                     <a:solidFill>
-                      <a:srgbClr val="FFFF00"/>
+                      <a:schemeClr val="bg2"/>
                     </a:solidFill>
                   </a:tcPr>
                 </a:tc>
@@ -5833,13 +5896,13 @@
                       <a:pPr algn="ctr"/>
                       <a:r>
                         <a:rPr lang="fr-FR" sz="900" dirty="0"/>
-                        <a:t>Très satisfaisant</a:t>
+                        <a:t>⭐⭐⭐⭐</a:t>
                       </a:r>
                     </a:p>
                   </a:txBody>
                   <a:tcPr anchor="ctr">
                     <a:solidFill>
-                      <a:schemeClr val="accent6"/>
+                      <a:schemeClr val="bg2"/>
                     </a:solidFill>
                   </a:tcPr>
                 </a:tc>
